--- a/NWFLUG/mtg-2014-04-07/main.pptx
+++ b/NWFLUG/mtg-2014-04-07/main.pptx
@@ -290,7 +290,7 @@
               <a:pPr>
                 <a:defRPr/>
               </a:pPr>
-              <a:t>04/07/2014</a:t>
+              <a:t>04/13/2014</a:t>
             </a:fld>
             <a:endParaRPr lang="en-US"/>
           </a:p>
@@ -8829,14 +8829,7 @@
                 <a:latin typeface="+mj-lt"/>
                 <a:cs typeface="Times New Roman" pitchFamily="18" charset="0"/>
               </a:rPr>
-              <a:t>NWFLUG </a:t>
-            </a:r>
-            <a:r>
-              <a:rPr lang="en-US" sz="2800" dirty="0" smtClean="0">
-                <a:latin typeface="+mj-lt"/>
-                <a:cs typeface="Times New Roman" pitchFamily="18" charset="0"/>
-              </a:rPr>
-              <a:t>Resources</a:t>
+              <a:t>NWFLUG Resources</a:t>
             </a:r>
             <a:endParaRPr lang="en-US" sz="2800" dirty="0"/>
           </a:p>
@@ -8851,10 +8844,6 @@
               </a:rPr>
               <a:t>Wrap-up</a:t>
             </a:r>
-            <a:endParaRPr lang="en-US" sz="2800" dirty="0" smtClean="0">
-              <a:latin typeface="+mj-lt"/>
-              <a:cs typeface="Times New Roman" pitchFamily="18" charset="0"/>
-            </a:endParaRPr>
           </a:p>
         </p:txBody>
       </p:sp>
@@ -9893,19 +9882,25 @@
               <a:rPr lang="en-US" sz="2800" dirty="0" smtClean="0">
                 <a:latin typeface="+mj-lt"/>
               </a:rPr>
-              <a:t>	Educate members and the public on the availability, installation, and use of Free and Open Source Software (FOSS), particularly </a:t>
-            </a:r>
-            <a:r>
-              <a:rPr lang="en-US" sz="2800" dirty="0" err="1" smtClean="0">
+              <a:t>	Educate members and the public on the availability, installation, and use of Free and Open Source Software (FOSS), </a:t>
+            </a:r>
+            <a:r>
+              <a:rPr lang="en-US" sz="2800" smtClean="0">
                 <a:latin typeface="+mj-lt"/>
               </a:rPr>
-              <a:t>coross</a:t>
+              <a:t>particularly </a:t>
+            </a:r>
+            <a:r>
+              <a:rPr lang="en-US" sz="2800" smtClean="0">
+                <a:latin typeface="+mj-lt"/>
+              </a:rPr>
+              <a:t>cross-platform </a:t>
             </a:r>
             <a:r>
               <a:rPr lang="en-US" sz="2800" dirty="0" smtClean="0">
                 <a:latin typeface="+mj-lt"/>
               </a:rPr>
-              <a:t>-platform FOSS.</a:t>
+              <a:t>FOSS.</a:t>
             </a:r>
           </a:p>
         </p:txBody>
@@ -11138,14 +11133,7 @@
                 <a:latin typeface="+mj-lt"/>
                 <a:cs typeface="Times New Roman" pitchFamily="18" charset="0"/>
               </a:rPr>
-              <a:t>NWFLUG </a:t>
-            </a:r>
-            <a:r>
-              <a:rPr lang="en-US" sz="2800" dirty="0" smtClean="0">
-                <a:latin typeface="+mj-lt"/>
-                <a:cs typeface="Times New Roman" pitchFamily="18" charset="0"/>
-              </a:rPr>
-              <a:t>Resources</a:t>
+              <a:t>NWFLUG Resources</a:t>
             </a:r>
           </a:p>
           <a:p>
@@ -11159,10 +11147,6 @@
               </a:rPr>
               <a:t>Wrap-up</a:t>
             </a:r>
-            <a:endParaRPr lang="en-US" sz="2800" dirty="0" smtClean="0">
-              <a:latin typeface="+mj-lt"/>
-              <a:cs typeface="Times New Roman" pitchFamily="18" charset="0"/>
-            </a:endParaRPr>
           </a:p>
         </p:txBody>
       </p:sp>
